--- a/topic-02/talk-01/mqtt2025.pptx
+++ b/topic-02/talk-01/mqtt2025.pptx
@@ -215,7 +215,7 @@
           <a:p>
             <a:fld id="{E8D4F193-0B1A-45D5-B227-EC4FDC03B008}" type="datetimeFigureOut">
               <a:rPr lang="en-IE" smtClean="0"/>
-              <a:t>29/01/2025</a:t>
+              <a:t>30/01/2025</a:t>
             </a:fld>
             <a:endParaRPr lang="en-IE"/>
           </a:p>
@@ -632,7 +632,7 @@
           <a:p>
             <a:fld id="{31FABD58-09F1-4112-9FB1-2CAFF72B0B57}" type="datetimeFigureOut">
               <a:rPr lang="en-IE" smtClean="0"/>
-              <a:t>29/01/2025</a:t>
+              <a:t>30/01/2025</a:t>
             </a:fld>
             <a:endParaRPr lang="en-IE"/>
           </a:p>
@@ -832,7 +832,7 @@
           <a:p>
             <a:fld id="{31FABD58-09F1-4112-9FB1-2CAFF72B0B57}" type="datetimeFigureOut">
               <a:rPr lang="en-IE" smtClean="0"/>
-              <a:t>29/01/2025</a:t>
+              <a:t>30/01/2025</a:t>
             </a:fld>
             <a:endParaRPr lang="en-IE"/>
           </a:p>
@@ -1042,7 +1042,7 @@
           <a:p>
             <a:fld id="{31FABD58-09F1-4112-9FB1-2CAFF72B0B57}" type="datetimeFigureOut">
               <a:rPr lang="en-IE" smtClean="0"/>
-              <a:t>29/01/2025</a:t>
+              <a:t>30/01/2025</a:t>
             </a:fld>
             <a:endParaRPr lang="en-IE"/>
           </a:p>
@@ -1242,7 +1242,7 @@
           <a:p>
             <a:fld id="{31FABD58-09F1-4112-9FB1-2CAFF72B0B57}" type="datetimeFigureOut">
               <a:rPr lang="en-IE" smtClean="0"/>
-              <a:t>29/01/2025</a:t>
+              <a:t>30/01/2025</a:t>
             </a:fld>
             <a:endParaRPr lang="en-IE"/>
           </a:p>
@@ -1518,7 +1518,7 @@
           <a:p>
             <a:fld id="{31FABD58-09F1-4112-9FB1-2CAFF72B0B57}" type="datetimeFigureOut">
               <a:rPr lang="en-IE" smtClean="0"/>
-              <a:t>29/01/2025</a:t>
+              <a:t>30/01/2025</a:t>
             </a:fld>
             <a:endParaRPr lang="en-IE"/>
           </a:p>
@@ -1786,7 +1786,7 @@
           <a:p>
             <a:fld id="{31FABD58-09F1-4112-9FB1-2CAFF72B0B57}" type="datetimeFigureOut">
               <a:rPr lang="en-IE" smtClean="0"/>
-              <a:t>29/01/2025</a:t>
+              <a:t>30/01/2025</a:t>
             </a:fld>
             <a:endParaRPr lang="en-IE"/>
           </a:p>
@@ -2201,7 +2201,7 @@
           <a:p>
             <a:fld id="{31FABD58-09F1-4112-9FB1-2CAFF72B0B57}" type="datetimeFigureOut">
               <a:rPr lang="en-IE" smtClean="0"/>
-              <a:t>29/01/2025</a:t>
+              <a:t>30/01/2025</a:t>
             </a:fld>
             <a:endParaRPr lang="en-IE"/>
           </a:p>
@@ -2343,7 +2343,7 @@
           <a:p>
             <a:fld id="{31FABD58-09F1-4112-9FB1-2CAFF72B0B57}" type="datetimeFigureOut">
               <a:rPr lang="en-IE" smtClean="0"/>
-              <a:t>29/01/2025</a:t>
+              <a:t>30/01/2025</a:t>
             </a:fld>
             <a:endParaRPr lang="en-IE"/>
           </a:p>
@@ -2456,7 +2456,7 @@
           <a:p>
             <a:fld id="{31FABD58-09F1-4112-9FB1-2CAFF72B0B57}" type="datetimeFigureOut">
               <a:rPr lang="en-IE" smtClean="0"/>
-              <a:t>29/01/2025</a:t>
+              <a:t>30/01/2025</a:t>
             </a:fld>
             <a:endParaRPr lang="en-IE"/>
           </a:p>
@@ -2769,7 +2769,7 @@
           <a:p>
             <a:fld id="{31FABD58-09F1-4112-9FB1-2CAFF72B0B57}" type="datetimeFigureOut">
               <a:rPr lang="en-IE" smtClean="0"/>
-              <a:t>29/01/2025</a:t>
+              <a:t>30/01/2025</a:t>
             </a:fld>
             <a:endParaRPr lang="en-IE"/>
           </a:p>
@@ -3058,7 +3058,7 @@
           <a:p>
             <a:fld id="{31FABD58-09F1-4112-9FB1-2CAFF72B0B57}" type="datetimeFigureOut">
               <a:rPr lang="en-IE" smtClean="0"/>
-              <a:t>29/01/2025</a:t>
+              <a:t>30/01/2025</a:t>
             </a:fld>
             <a:endParaRPr lang="en-IE"/>
           </a:p>
@@ -3301,7 +3301,7 @@
           <a:p>
             <a:fld id="{31FABD58-09F1-4112-9FB1-2CAFF72B0B57}" type="datetimeFigureOut">
               <a:rPr lang="en-IE" smtClean="0"/>
-              <a:t>29/01/2025</a:t>
+              <a:t>30/01/2025</a:t>
             </a:fld>
             <a:endParaRPr lang="en-IE"/>
           </a:p>
@@ -7931,7 +7931,7 @@
               <a:rPr lang="en-US" sz="2400" dirty="0"/>
               <a:t>Communication between processes using an intermediary</a:t>
             </a:r>
-            <a:endParaRPr lang="en-US">
+            <a:endParaRPr lang="en-US" dirty="0">
               <a:cs typeface="Calibri"/>
             </a:endParaRPr>
           </a:p>
@@ -8002,7 +8002,7 @@
               <a:rPr lang="en-US" dirty="0">
                 <a:sym typeface="Wingdings" pitchFamily="2" charset="2"/>
               </a:rPr>
-              <a:t>Up to now, only considered Direct Coupling</a:t>
+              <a:t>Consider…</a:t>
             </a:r>
             <a:endParaRPr lang="en-US" dirty="0">
               <a:cs typeface="Calibri"/>
@@ -8019,11 +8019,26 @@
               <a:rPr lang="en-US" dirty="0">
                 <a:sym typeface="Wingdings" pitchFamily="2" charset="2"/>
               </a:rPr>
-              <a:t>Introduces a degree of rigidity</a:t>
+              <a:t>What happens if a device fails during communication in Direct Coupling?</a:t>
             </a:r>
             <a:endParaRPr lang="en-US" dirty="0">
               <a:cs typeface="Calibri"/>
             </a:endParaRPr>
+          </a:p>
+          <a:p>
+            <a:pPr marL="662940" lvl="2" indent="-342900">
+              <a:buClr>
+                <a:schemeClr val="accent1"/>
+              </a:buClr>
+              <a:buSzPct val="85000"/>
+            </a:pPr>
+            <a:r>
+              <a:rPr lang="en-US" dirty="0">
+                <a:cs typeface="Calibri"/>
+              </a:rPr>
+              <a:t>What if you'd like to add</a:t>
+            </a:r>
+            <a:endParaRPr lang="en-US" dirty="0"/>
           </a:p>
           <a:p>
             <a:pPr marL="388620" lvl="1" indent="-342900">
@@ -8033,12 +8048,10 @@
               <a:buSzPct val="85000"/>
             </a:pPr>
             <a:r>
-              <a:rPr lang="en-US" dirty="0">
-                <a:sym typeface="Wingdings" pitchFamily="2" charset="2"/>
-              </a:rPr>
-              <a:t>Consider…</a:t>
-            </a:r>
-            <a:endParaRPr lang="en-US" dirty="0">
+              <a:rPr lang="en-IE" dirty="0"/>
+              <a:t>Two important properties of intermediary in communication</a:t>
+            </a:r>
+            <a:endParaRPr lang="en-IE" dirty="0">
               <a:cs typeface="Calibri"/>
             </a:endParaRPr>
           </a:p>
@@ -8050,58 +8063,11 @@
               <a:buSzPct val="85000"/>
             </a:pPr>
             <a:r>
-              <a:rPr lang="en-US" dirty="0">
-                <a:sym typeface="Wingdings" pitchFamily="2" charset="2"/>
-              </a:rPr>
-              <a:t>What happens if a device fails during communication in Direct Coupling?</a:t>
-            </a:r>
-            <a:endParaRPr lang="en-US" dirty="0">
-              <a:cs typeface="Calibri"/>
-            </a:endParaRPr>
-          </a:p>
-          <a:p>
-            <a:pPr marL="662940" lvl="2" indent="-342900">
-              <a:buClr>
-                <a:schemeClr val="accent1"/>
-              </a:buClr>
-              <a:buSzPct val="85000"/>
-            </a:pPr>
-            <a:r>
-              <a:rPr lang="en-US" dirty="0">
-                <a:cs typeface="Calibri"/>
-              </a:rPr>
-              <a:t>What if you'd like to add</a:t>
-            </a:r>
-            <a:endParaRPr lang="en-US" dirty="0"/>
-          </a:p>
-          <a:p>
-            <a:pPr marL="388620" lvl="1" indent="-342900">
-              <a:buClr>
-                <a:schemeClr val="accent1"/>
-              </a:buClr>
-              <a:buSzPct val="85000"/>
-            </a:pPr>
-            <a:r>
-              <a:rPr lang="en-IE" dirty="0"/>
-              <a:t>Two important properties of intermediary in communication</a:t>
-            </a:r>
-            <a:endParaRPr lang="en-IE" dirty="0">
-              <a:cs typeface="Calibri"/>
-            </a:endParaRPr>
-          </a:p>
-          <a:p>
-            <a:pPr marL="662940" lvl="2" indent="-342900">
-              <a:buClr>
-                <a:schemeClr val="accent1"/>
-              </a:buClr>
-              <a:buSzPct val="85000"/>
-            </a:pPr>
-            <a:r>
-              <a:rPr lang="en-IE" b="1" i="1"/>
+              <a:rPr lang="en-IE" b="1" i="1" dirty="0"/>
               <a:t>Space uncoupling</a:t>
             </a:r>
             <a:r>
-              <a:rPr lang="en-IE" i="1">
+              <a:rPr lang="en-IE" i="1" dirty="0">
                 <a:cs typeface="Calibri"/>
               </a:rPr>
               <a:t> (devices don't need to "know" about each other)</a:t>
